--- a/Figures/doubleresults.pptx
+++ b/Figures/doubleresults.pptx
@@ -9,6 +9,8 @@
     <p:sldId id="257" r:id="rId3"/>
     <p:sldId id="258" r:id="rId4"/>
     <p:sldId id="259" r:id="rId5"/>
+    <p:sldId id="260" r:id="rId6"/>
+    <p:sldId id="261" r:id="rId7"/>
   </p:sldIdLst>
   <p:sldSz cx="12192000" cy="6858000"/>
   <p:notesSz cx="6858000" cy="9144000"/>
@@ -107,6 +109,11 @@
       </a:defRPr>
     </a:lvl9pPr>
   </p:defaultTextStyle>
+  <p:extLst>
+    <p:ext uri="{EFAFB233-063F-42B5-8137-9DF3F51BA10A}">
+      <p15:sldGuideLst xmlns:p15="http://schemas.microsoft.com/office/powerpoint/2012/main"/>
+    </p:ext>
+  </p:extLst>
 </p:presentation>
 </file>
 
@@ -257,7 +264,7 @@
           <a:p>
             <a:fld id="{A5BE038D-25AE-49C1-BF57-EB01C786C4DC}" type="datetimeFigureOut">
               <a:rPr lang="en-US" smtClean="0"/>
-              <a:t>10/25/2023</a:t>
+              <a:t>10/25/23</a:t>
             </a:fld>
             <a:endParaRPr lang="en-US"/>
           </a:p>
@@ -455,7 +462,7 @@
           <a:p>
             <a:fld id="{A5BE038D-25AE-49C1-BF57-EB01C786C4DC}" type="datetimeFigureOut">
               <a:rPr lang="en-US" smtClean="0"/>
-              <a:t>10/25/2023</a:t>
+              <a:t>10/25/23</a:t>
             </a:fld>
             <a:endParaRPr lang="en-US"/>
           </a:p>
@@ -663,7 +670,7 @@
           <a:p>
             <a:fld id="{A5BE038D-25AE-49C1-BF57-EB01C786C4DC}" type="datetimeFigureOut">
               <a:rPr lang="en-US" smtClean="0"/>
-              <a:t>10/25/2023</a:t>
+              <a:t>10/25/23</a:t>
             </a:fld>
             <a:endParaRPr lang="en-US"/>
           </a:p>
@@ -861,7 +868,7 @@
           <a:p>
             <a:fld id="{A5BE038D-25AE-49C1-BF57-EB01C786C4DC}" type="datetimeFigureOut">
               <a:rPr lang="en-US" smtClean="0"/>
-              <a:t>10/25/2023</a:t>
+              <a:t>10/25/23</a:t>
             </a:fld>
             <a:endParaRPr lang="en-US"/>
           </a:p>
@@ -1136,7 +1143,7 @@
           <a:p>
             <a:fld id="{A5BE038D-25AE-49C1-BF57-EB01C786C4DC}" type="datetimeFigureOut">
               <a:rPr lang="en-US" smtClean="0"/>
-              <a:t>10/25/2023</a:t>
+              <a:t>10/25/23</a:t>
             </a:fld>
             <a:endParaRPr lang="en-US"/>
           </a:p>
@@ -1401,7 +1408,7 @@
           <a:p>
             <a:fld id="{A5BE038D-25AE-49C1-BF57-EB01C786C4DC}" type="datetimeFigureOut">
               <a:rPr lang="en-US" smtClean="0"/>
-              <a:t>10/25/2023</a:t>
+              <a:t>10/25/23</a:t>
             </a:fld>
             <a:endParaRPr lang="en-US"/>
           </a:p>
@@ -1813,7 +1820,7 @@
           <a:p>
             <a:fld id="{A5BE038D-25AE-49C1-BF57-EB01C786C4DC}" type="datetimeFigureOut">
               <a:rPr lang="en-US" smtClean="0"/>
-              <a:t>10/25/2023</a:t>
+              <a:t>10/25/23</a:t>
             </a:fld>
             <a:endParaRPr lang="en-US"/>
           </a:p>
@@ -1954,7 +1961,7 @@
           <a:p>
             <a:fld id="{A5BE038D-25AE-49C1-BF57-EB01C786C4DC}" type="datetimeFigureOut">
               <a:rPr lang="en-US" smtClean="0"/>
-              <a:t>10/25/2023</a:t>
+              <a:t>10/25/23</a:t>
             </a:fld>
             <a:endParaRPr lang="en-US"/>
           </a:p>
@@ -2067,7 +2074,7 @@
           <a:p>
             <a:fld id="{A5BE038D-25AE-49C1-BF57-EB01C786C4DC}" type="datetimeFigureOut">
               <a:rPr lang="en-US" smtClean="0"/>
-              <a:t>10/25/2023</a:t>
+              <a:t>10/25/23</a:t>
             </a:fld>
             <a:endParaRPr lang="en-US"/>
           </a:p>
@@ -2378,7 +2385,7 @@
           <a:p>
             <a:fld id="{A5BE038D-25AE-49C1-BF57-EB01C786C4DC}" type="datetimeFigureOut">
               <a:rPr lang="en-US" smtClean="0"/>
-              <a:t>10/25/2023</a:t>
+              <a:t>10/25/23</a:t>
             </a:fld>
             <a:endParaRPr lang="en-US"/>
           </a:p>
@@ -2666,7 +2673,7 @@
           <a:p>
             <a:fld id="{A5BE038D-25AE-49C1-BF57-EB01C786C4DC}" type="datetimeFigureOut">
               <a:rPr lang="en-US" smtClean="0"/>
-              <a:t>10/25/2023</a:t>
+              <a:t>10/25/23</a:t>
             </a:fld>
             <a:endParaRPr lang="en-US"/>
           </a:p>
@@ -2907,7 +2914,7 @@
           <a:p>
             <a:fld id="{A5BE038D-25AE-49C1-BF57-EB01C786C4DC}" type="datetimeFigureOut">
               <a:rPr lang="en-US" smtClean="0"/>
-              <a:t>10/25/2023</a:t>
+              <a:t>10/25/23</a:t>
             </a:fld>
             <a:endParaRPr lang="en-US"/>
           </a:p>
@@ -3715,6 +3722,497 @@
 </p:sld>
 </file>
 
+<file path=ppt/slides/slide5.xml><?xml version="1.0" encoding="utf-8"?>
+<p:sld xmlns:a="http://schemas.openxmlformats.org/drawingml/2006/main" xmlns:r="http://schemas.openxmlformats.org/officeDocument/2006/relationships" xmlns:p="http://schemas.openxmlformats.org/presentationml/2006/main">
+  <p:cSld>
+    <p:bg>
+      <p:bgPr>
+        <a:solidFill>
+          <a:schemeClr val="bg1"/>
+        </a:solidFill>
+        <a:effectLst/>
+      </p:bgPr>
+    </p:bg>
+    <p:spTree>
+      <p:nvGrpSpPr>
+        <p:cNvPr id="1" name=""/>
+        <p:cNvGrpSpPr/>
+        <p:nvPr/>
+      </p:nvGrpSpPr>
+      <p:grpSpPr>
+        <a:xfrm>
+          <a:off x="0" y="0"/>
+          <a:ext cx="0" cy="0"/>
+          <a:chOff x="0" y="0"/>
+          <a:chExt cx="0" cy="0"/>
+        </a:xfrm>
+      </p:grpSpPr>
+      <p:grpSp>
+        <p:nvGrpSpPr>
+          <p:cNvPr id="9" name="Group 8">
+            <a:extLst>
+              <a:ext uri="{FF2B5EF4-FFF2-40B4-BE49-F238E27FC236}">
+                <a16:creationId xmlns:a16="http://schemas.microsoft.com/office/drawing/2014/main" id="{26753041-12A9-614C-542D-C21657E91C43}"/>
+              </a:ext>
+            </a:extLst>
+          </p:cNvPr>
+          <p:cNvGrpSpPr/>
+          <p:nvPr/>
+        </p:nvGrpSpPr>
+        <p:grpSpPr>
+          <a:xfrm>
+            <a:off x="0" y="0"/>
+            <a:ext cx="10787867" cy="4800600"/>
+            <a:chOff x="0" y="0"/>
+            <a:chExt cx="10787867" cy="4800600"/>
+          </a:xfrm>
+        </p:grpSpPr>
+        <p:grpSp>
+          <p:nvGrpSpPr>
+            <p:cNvPr id="6" name="Group 5">
+              <a:extLst>
+                <a:ext uri="{FF2B5EF4-FFF2-40B4-BE49-F238E27FC236}">
+                  <a16:creationId xmlns:a16="http://schemas.microsoft.com/office/drawing/2014/main" id="{A1509280-6824-4495-DA4A-7E9A0CF5BAFF}"/>
+                </a:ext>
+              </a:extLst>
+            </p:cNvPr>
+            <p:cNvGrpSpPr/>
+            <p:nvPr/>
+          </p:nvGrpSpPr>
+          <p:grpSpPr>
+            <a:xfrm>
+              <a:off x="0" y="0"/>
+              <a:ext cx="10787867" cy="4800600"/>
+              <a:chOff x="0" y="0"/>
+              <a:chExt cx="10787867" cy="4800600"/>
+            </a:xfrm>
+          </p:grpSpPr>
+          <p:pic>
+            <p:nvPicPr>
+              <p:cNvPr id="5" name="Picture 4" descr="A graph of a graph showing the number of numbers and the number of objects&#10;&#10;Description automatically generated with medium confidence">
+                <a:extLst>
+                  <a:ext uri="{FF2B5EF4-FFF2-40B4-BE49-F238E27FC236}">
+                    <a16:creationId xmlns:a16="http://schemas.microsoft.com/office/drawing/2014/main" id="{C4B83D20-E3B7-5F29-D3D9-A532176EF03F}"/>
+                  </a:ext>
+                </a:extLst>
+              </p:cNvPr>
+              <p:cNvPicPr>
+                <a:picLocks noChangeAspect="1"/>
+              </p:cNvPicPr>
+              <p:nvPr/>
+            </p:nvPicPr>
+            <p:blipFill>
+              <a:blip r:embed="rId2">
+                <a:extLst>
+                  <a:ext uri="{28A0092B-C50C-407E-A947-70E740481C1C}">
+                    <a14:useLocalDpi xmlns:a14="http://schemas.microsoft.com/office/drawing/2010/main" val="0"/>
+                  </a:ext>
+                </a:extLst>
+              </a:blip>
+              <a:stretch>
+                <a:fillRect/>
+              </a:stretch>
+            </p:blipFill>
+            <p:spPr>
+              <a:xfrm>
+                <a:off x="0" y="0"/>
+                <a:ext cx="5393933" cy="4800600"/>
+              </a:xfrm>
+              <a:prstGeom prst="rect">
+                <a:avLst/>
+              </a:prstGeom>
+            </p:spPr>
+          </p:pic>
+          <p:pic>
+            <p:nvPicPr>
+              <p:cNvPr id="3" name="Picture 2" descr="A graph of a number of black dots and orange lines&#10;&#10;Description automatically generated">
+                <a:extLst>
+                  <a:ext uri="{FF2B5EF4-FFF2-40B4-BE49-F238E27FC236}">
+                    <a16:creationId xmlns:a16="http://schemas.microsoft.com/office/drawing/2014/main" id="{BAF7D7F1-A143-D302-E765-A79524F229DA}"/>
+                  </a:ext>
+                </a:extLst>
+              </p:cNvPr>
+              <p:cNvPicPr>
+                <a:picLocks noChangeAspect="1"/>
+              </p:cNvPicPr>
+              <p:nvPr/>
+            </p:nvPicPr>
+            <p:blipFill>
+              <a:blip r:embed="rId3">
+                <a:extLst>
+                  <a:ext uri="{28A0092B-C50C-407E-A947-70E740481C1C}">
+                    <a14:useLocalDpi xmlns:a14="http://schemas.microsoft.com/office/drawing/2010/main" val="0"/>
+                  </a:ext>
+                </a:extLst>
+              </a:blip>
+              <a:stretch>
+                <a:fillRect/>
+              </a:stretch>
+            </p:blipFill>
+            <p:spPr>
+              <a:xfrm>
+                <a:off x="5393933" y="0"/>
+                <a:ext cx="5393934" cy="4800600"/>
+              </a:xfrm>
+              <a:prstGeom prst="rect">
+                <a:avLst/>
+              </a:prstGeom>
+            </p:spPr>
+          </p:pic>
+        </p:grpSp>
+        <p:sp>
+          <p:nvSpPr>
+            <p:cNvPr id="7" name="Rectangle 6">
+              <a:extLst>
+                <a:ext uri="{FF2B5EF4-FFF2-40B4-BE49-F238E27FC236}">
+                  <a16:creationId xmlns:a16="http://schemas.microsoft.com/office/drawing/2014/main" id="{6EF3D09B-2C79-BC09-4B15-7A8D0B0A8D3F}"/>
+                </a:ext>
+              </a:extLst>
+            </p:cNvPr>
+            <p:cNvSpPr/>
+            <p:nvPr/>
+          </p:nvSpPr>
+          <p:spPr>
+            <a:xfrm>
+              <a:off x="1298369" y="138545"/>
+              <a:ext cx="2897579" cy="205839"/>
+            </a:xfrm>
+            <a:prstGeom prst="rect">
+              <a:avLst/>
+            </a:prstGeom>
+            <a:solidFill>
+              <a:schemeClr val="bg1"/>
+            </a:solidFill>
+            <a:ln>
+              <a:solidFill>
+                <a:schemeClr val="bg1"/>
+              </a:solidFill>
+            </a:ln>
+          </p:spPr>
+          <p:style>
+            <a:lnRef idx="2">
+              <a:schemeClr val="accent1">
+                <a:shade val="15000"/>
+              </a:schemeClr>
+            </a:lnRef>
+            <a:fillRef idx="1">
+              <a:schemeClr val="accent1"/>
+            </a:fillRef>
+            <a:effectRef idx="0">
+              <a:schemeClr val="accent1"/>
+            </a:effectRef>
+            <a:fontRef idx="minor">
+              <a:schemeClr val="lt1"/>
+            </a:fontRef>
+          </p:style>
+          <p:txBody>
+            <a:bodyPr rtlCol="0" anchor="ctr"/>
+            <a:lstStyle/>
+            <a:p>
+              <a:pPr algn="ctr"/>
+              <a:endParaRPr lang="en-US"/>
+            </a:p>
+          </p:txBody>
+        </p:sp>
+        <p:sp>
+          <p:nvSpPr>
+            <p:cNvPr id="8" name="Rectangle 7">
+              <a:extLst>
+                <a:ext uri="{FF2B5EF4-FFF2-40B4-BE49-F238E27FC236}">
+                  <a16:creationId xmlns:a16="http://schemas.microsoft.com/office/drawing/2014/main" id="{15BCE066-4385-A62C-9888-59C1E757E22B}"/>
+                </a:ext>
+              </a:extLst>
+            </p:cNvPr>
+            <p:cNvSpPr/>
+            <p:nvPr/>
+          </p:nvSpPr>
+          <p:spPr>
+            <a:xfrm>
+              <a:off x="6692302" y="138545"/>
+              <a:ext cx="3092966" cy="205839"/>
+            </a:xfrm>
+            <a:prstGeom prst="rect">
+              <a:avLst/>
+            </a:prstGeom>
+            <a:solidFill>
+              <a:schemeClr val="bg1"/>
+            </a:solidFill>
+            <a:ln>
+              <a:solidFill>
+                <a:schemeClr val="bg1"/>
+              </a:solidFill>
+            </a:ln>
+          </p:spPr>
+          <p:style>
+            <a:lnRef idx="2">
+              <a:schemeClr val="accent1">
+                <a:shade val="15000"/>
+              </a:schemeClr>
+            </a:lnRef>
+            <a:fillRef idx="1">
+              <a:schemeClr val="accent1"/>
+            </a:fillRef>
+            <a:effectRef idx="0">
+              <a:schemeClr val="accent1"/>
+            </a:effectRef>
+            <a:fontRef idx="minor">
+              <a:schemeClr val="lt1"/>
+            </a:fontRef>
+          </p:style>
+          <p:txBody>
+            <a:bodyPr rtlCol="0" anchor="ctr"/>
+            <a:lstStyle/>
+            <a:p>
+              <a:pPr algn="ctr"/>
+              <a:endParaRPr lang="en-US"/>
+            </a:p>
+          </p:txBody>
+        </p:sp>
+      </p:grpSp>
+    </p:spTree>
+    <p:extLst>
+      <p:ext uri="{BB962C8B-B14F-4D97-AF65-F5344CB8AC3E}">
+        <p14:creationId xmlns:p14="http://schemas.microsoft.com/office/powerpoint/2010/main" val="844022939"/>
+      </p:ext>
+    </p:extLst>
+  </p:cSld>
+  <p:clrMapOvr>
+    <a:masterClrMapping/>
+  </p:clrMapOvr>
+</p:sld>
+</file>
+
+<file path=ppt/slides/slide6.xml><?xml version="1.0" encoding="utf-8"?>
+<p:sld xmlns:a="http://schemas.openxmlformats.org/drawingml/2006/main" xmlns:r="http://schemas.openxmlformats.org/officeDocument/2006/relationships" xmlns:p="http://schemas.openxmlformats.org/presentationml/2006/main">
+  <p:cSld>
+    <p:spTree>
+      <p:nvGrpSpPr>
+        <p:cNvPr id="1" name=""/>
+        <p:cNvGrpSpPr/>
+        <p:nvPr/>
+      </p:nvGrpSpPr>
+      <p:grpSpPr>
+        <a:xfrm>
+          <a:off x="0" y="0"/>
+          <a:ext cx="0" cy="0"/>
+          <a:chOff x="0" y="0"/>
+          <a:chExt cx="0" cy="0"/>
+        </a:xfrm>
+      </p:grpSpPr>
+      <p:grpSp>
+        <p:nvGrpSpPr>
+          <p:cNvPr id="8" name="Group 7">
+            <a:extLst>
+              <a:ext uri="{FF2B5EF4-FFF2-40B4-BE49-F238E27FC236}">
+                <a16:creationId xmlns:a16="http://schemas.microsoft.com/office/drawing/2014/main" id="{2BF8562D-4176-96A3-C2F9-39D639F7788B}"/>
+              </a:ext>
+            </a:extLst>
+          </p:cNvPr>
+          <p:cNvGrpSpPr/>
+          <p:nvPr/>
+        </p:nvGrpSpPr>
+        <p:grpSpPr>
+          <a:xfrm>
+            <a:off x="0" y="0"/>
+            <a:ext cx="10801352" cy="4800600"/>
+            <a:chOff x="0" y="0"/>
+            <a:chExt cx="10801352" cy="4800600"/>
+          </a:xfrm>
+        </p:grpSpPr>
+        <p:pic>
+          <p:nvPicPr>
+            <p:cNvPr id="3" name="Picture 2" descr="A graph of a sound wave&#10;&#10;Description automatically generated with medium confidence">
+              <a:extLst>
+                <a:ext uri="{FF2B5EF4-FFF2-40B4-BE49-F238E27FC236}">
+                  <a16:creationId xmlns:a16="http://schemas.microsoft.com/office/drawing/2014/main" id="{48038D15-9412-E207-32AA-1F150DCA71FF}"/>
+                </a:ext>
+              </a:extLst>
+            </p:cNvPr>
+            <p:cNvPicPr>
+              <a:picLocks noChangeAspect="1"/>
+            </p:cNvPicPr>
+            <p:nvPr/>
+          </p:nvPicPr>
+          <p:blipFill>
+            <a:blip r:embed="rId2">
+              <a:extLst>
+                <a:ext uri="{28A0092B-C50C-407E-A947-70E740481C1C}">
+                  <a14:useLocalDpi xmlns:a14="http://schemas.microsoft.com/office/drawing/2010/main" val="0"/>
+                </a:ext>
+              </a:extLst>
+            </a:blip>
+            <a:stretch>
+              <a:fillRect/>
+            </a:stretch>
+          </p:blipFill>
+          <p:spPr>
+            <a:xfrm>
+              <a:off x="5400676" y="0"/>
+              <a:ext cx="5400676" cy="4800600"/>
+            </a:xfrm>
+            <a:prstGeom prst="rect">
+              <a:avLst/>
+            </a:prstGeom>
+          </p:spPr>
+        </p:pic>
+        <p:pic>
+          <p:nvPicPr>
+            <p:cNvPr id="5" name="Picture 4" descr="A graph of a graph showing a number of numbers&#10;&#10;Description automatically generated with medium confidence">
+              <a:extLst>
+                <a:ext uri="{FF2B5EF4-FFF2-40B4-BE49-F238E27FC236}">
+                  <a16:creationId xmlns:a16="http://schemas.microsoft.com/office/drawing/2014/main" id="{173483AE-C24D-F858-7E81-CDC2652F245C}"/>
+                </a:ext>
+              </a:extLst>
+            </p:cNvPr>
+            <p:cNvPicPr>
+              <a:picLocks noChangeAspect="1"/>
+            </p:cNvPicPr>
+            <p:nvPr/>
+          </p:nvPicPr>
+          <p:blipFill>
+            <a:blip r:embed="rId3">
+              <a:extLst>
+                <a:ext uri="{28A0092B-C50C-407E-A947-70E740481C1C}">
+                  <a14:useLocalDpi xmlns:a14="http://schemas.microsoft.com/office/drawing/2010/main" val="0"/>
+                </a:ext>
+              </a:extLst>
+            </a:blip>
+            <a:stretch>
+              <a:fillRect/>
+            </a:stretch>
+          </p:blipFill>
+          <p:spPr>
+            <a:xfrm>
+              <a:off x="0" y="0"/>
+              <a:ext cx="5400676" cy="4800600"/>
+            </a:xfrm>
+            <a:prstGeom prst="rect">
+              <a:avLst/>
+            </a:prstGeom>
+          </p:spPr>
+        </p:pic>
+        <p:sp>
+          <p:nvSpPr>
+            <p:cNvPr id="6" name="Rectangle 5">
+              <a:extLst>
+                <a:ext uri="{FF2B5EF4-FFF2-40B4-BE49-F238E27FC236}">
+                  <a16:creationId xmlns:a16="http://schemas.microsoft.com/office/drawing/2014/main" id="{74AB9C3B-1A3E-DD51-06EA-9F321177ECB3}"/>
+                </a:ext>
+              </a:extLst>
+            </p:cNvPr>
+            <p:cNvSpPr/>
+            <p:nvPr/>
+          </p:nvSpPr>
+          <p:spPr>
+            <a:xfrm>
+              <a:off x="1468582" y="138545"/>
+              <a:ext cx="2727366" cy="205839"/>
+            </a:xfrm>
+            <a:prstGeom prst="rect">
+              <a:avLst/>
+            </a:prstGeom>
+            <a:solidFill>
+              <a:schemeClr val="bg1"/>
+            </a:solidFill>
+            <a:ln>
+              <a:solidFill>
+                <a:schemeClr val="bg1"/>
+              </a:solidFill>
+            </a:ln>
+          </p:spPr>
+          <p:style>
+            <a:lnRef idx="2">
+              <a:schemeClr val="accent1">
+                <a:shade val="15000"/>
+              </a:schemeClr>
+            </a:lnRef>
+            <a:fillRef idx="1">
+              <a:schemeClr val="accent1"/>
+            </a:fillRef>
+            <a:effectRef idx="0">
+              <a:schemeClr val="accent1"/>
+            </a:effectRef>
+            <a:fontRef idx="minor">
+              <a:schemeClr val="lt1"/>
+            </a:fontRef>
+          </p:style>
+          <p:txBody>
+            <a:bodyPr rtlCol="0" anchor="ctr"/>
+            <a:lstStyle/>
+            <a:p>
+              <a:pPr algn="ctr"/>
+              <a:endParaRPr lang="en-US"/>
+            </a:p>
+          </p:txBody>
+        </p:sp>
+        <p:sp>
+          <p:nvSpPr>
+            <p:cNvPr id="7" name="Rectangle 6">
+              <a:extLst>
+                <a:ext uri="{FF2B5EF4-FFF2-40B4-BE49-F238E27FC236}">
+                  <a16:creationId xmlns:a16="http://schemas.microsoft.com/office/drawing/2014/main" id="{85D02506-950F-5567-085F-D3F759776C85}"/>
+                </a:ext>
+              </a:extLst>
+            </p:cNvPr>
+            <p:cNvSpPr/>
+            <p:nvPr/>
+          </p:nvSpPr>
+          <p:spPr>
+            <a:xfrm>
+              <a:off x="6791326" y="188025"/>
+              <a:ext cx="2727366" cy="205839"/>
+            </a:xfrm>
+            <a:prstGeom prst="rect">
+              <a:avLst/>
+            </a:prstGeom>
+            <a:solidFill>
+              <a:schemeClr val="bg1"/>
+            </a:solidFill>
+            <a:ln>
+              <a:solidFill>
+                <a:schemeClr val="bg1"/>
+              </a:solidFill>
+            </a:ln>
+          </p:spPr>
+          <p:style>
+            <a:lnRef idx="2">
+              <a:schemeClr val="accent1">
+                <a:shade val="15000"/>
+              </a:schemeClr>
+            </a:lnRef>
+            <a:fillRef idx="1">
+              <a:schemeClr val="accent1"/>
+            </a:fillRef>
+            <a:effectRef idx="0">
+              <a:schemeClr val="accent1"/>
+            </a:effectRef>
+            <a:fontRef idx="minor">
+              <a:schemeClr val="lt1"/>
+            </a:fontRef>
+          </p:style>
+          <p:txBody>
+            <a:bodyPr rtlCol="0" anchor="ctr"/>
+            <a:lstStyle/>
+            <a:p>
+              <a:pPr algn="ctr"/>
+              <a:endParaRPr lang="en-US"/>
+            </a:p>
+          </p:txBody>
+        </p:sp>
+      </p:grpSp>
+    </p:spTree>
+    <p:extLst>
+      <p:ext uri="{BB962C8B-B14F-4D97-AF65-F5344CB8AC3E}">
+        <p14:creationId xmlns:p14="http://schemas.microsoft.com/office/powerpoint/2010/main" val="1183713343"/>
+      </p:ext>
+    </p:extLst>
+  </p:cSld>
+  <p:clrMapOvr>
+    <a:masterClrMapping/>
+  </p:clrMapOvr>
+</p:sld>
+</file>
+
 <file path=ppt/theme/theme1.xml><?xml version="1.0" encoding="utf-8"?>
 <a:theme xmlns:a="http://schemas.openxmlformats.org/drawingml/2006/main" name="Office Theme">
   <a:themeElements>
